--- a/files/teaching-resources/monmouthcollege-econ-300/econ-300-f2023-final/ECON300-F2023-PracticeFinal-RECAP.pptx
+++ b/files/teaching-resources/monmouthcollege-econ-300/econ-300-f2023-final/ECON300-F2023-PracticeFinal-RECAP.pptx
@@ -217,7 +217,7 @@
           <a:p>
             <a:fld id="{0E0A6441-4E79-42FF-805B-86C90BDFD38D}" type="datetimeFigureOut">
               <a:rPr lang="en-US" smtClean="0"/>
-              <a:t>12/4/2023</a:t>
+              <a:t>12/5/2023</a:t>
             </a:fld>
             <a:endParaRPr lang="en-US" dirty="0"/>
           </a:p>
@@ -4757,8 +4757,8 @@
           </a:p>
         </p:txBody>
       </p:sp>
-      <mc:AlternateContent xmlns:mc="http://schemas.openxmlformats.org/markup-compatibility/2006">
-        <mc:Choice xmlns:a14="http://schemas.microsoft.com/office/drawing/2010/main" Requires="a14">
+      <mc:AlternateContent xmlns:mc="http://schemas.openxmlformats.org/markup-compatibility/2006" xmlns:a14="http://schemas.microsoft.com/office/drawing/2010/main">
+        <mc:Choice Requires="a14">
           <p:sp>
             <p:nvSpPr>
               <p:cNvPr id="3" name="Content Placeholder 2">
@@ -4873,7 +4873,7 @@
             </p:txBody>
           </p:sp>
         </mc:Choice>
-        <mc:Fallback>
+        <mc:Fallback xmlns="">
           <p:sp>
             <p:nvSpPr>
               <p:cNvPr id="3" name="Content Placeholder 2">
@@ -11514,23 +11514,7 @@
           <a:p>
             <a:r>
               <a:rPr lang="en-US" dirty="0"/>
-              <a:t>Dates: Nov. 13</a:t>
-            </a:r>
-            <a:r>
-              <a:rPr lang="en-US" baseline="30000" dirty="0"/>
-              <a:t>th</a:t>
-            </a:r>
-            <a:r>
-              <a:rPr lang="en-US" dirty="0"/>
-              <a:t> ~ Nov. 21</a:t>
-            </a:r>
-            <a:r>
-              <a:rPr lang="en-US" baseline="30000" dirty="0"/>
-              <a:t>st</a:t>
-            </a:r>
-            <a:r>
-              <a:rPr lang="en-US" dirty="0"/>
-              <a:t> , 2023</a:t>
+              <a:t>Dates: To Be Announced in Class</a:t>
             </a:r>
           </a:p>
           <a:p>
@@ -11560,7 +11544,7 @@
           <a:p>
             <a:r>
               <a:rPr lang="en-US" dirty="0"/>
-              <a:t>Recovery Rate: 70%</a:t>
+              <a:t>Recovery Rate: TBD</a:t>
             </a:r>
           </a:p>
         </p:txBody>

--- a/files/teaching-resources/monmouthcollege-econ-300/econ-300-f2023-final/ECON300-F2023-PracticeFinal-RECAP.pptx
+++ b/files/teaching-resources/monmouthcollege-econ-300/econ-300-f2023-final/ECON300-F2023-PracticeFinal-RECAP.pptx
@@ -217,7 +217,7 @@
           <a:p>
             <a:fld id="{0E0A6441-4E79-42FF-805B-86C90BDFD38D}" type="datetimeFigureOut">
               <a:rPr lang="en-US" smtClean="0"/>
-              <a:t>12/5/2023</a:t>
+              <a:t>12/6/2023</a:t>
             </a:fld>
             <a:endParaRPr lang="en-US" dirty="0"/>
           </a:p>
@@ -10013,7 +10013,7 @@
                       <a:rPr lang="en-US" b="0" i="1" smtClean="0">
                         <a:latin typeface="Cambria Math" panose="02040503050406030204" pitchFamily="18" charset="0"/>
                       </a:rPr>
-                      <m:t>=6,    </m:t>
+                      <m:t>=12,    </m:t>
                     </m:r>
                     <m:sSub>
                       <m:sSubPr>
@@ -10108,7 +10108,7 @@
                       <a:srgbClr val="FF0000"/>
                     </a:solidFill>
                   </a:rPr>
-                  <a:t>Use the optimal ratio and the constraint to find the optimal bundle for this consumer. We first find </a:t>
+                  <a:t>Find the optimal ratio and the constraint to find the optimal bundle for this consumer. We first find </a:t>
                 </a:r>
                 <a14:m>
                   <m:oMath xmlns:m="http://schemas.openxmlformats.org/officeDocument/2006/math">
@@ -10236,16 +10236,6 @@
                               <a:latin typeface="Cambria Math" panose="02040503050406030204" pitchFamily="18" charset="0"/>
                               <a:ea typeface="Cambria Math" panose="02040503050406030204" pitchFamily="18" charset="0"/>
                             </a:rPr>
-                            <m:t>2</m:t>
-                          </m:r>
-                          <m:r>
-                            <a:rPr lang="en-US" b="0" i="1" smtClean="0">
-                              <a:solidFill>
-                                <a:srgbClr val="FF0000"/>
-                              </a:solidFill>
-                              <a:latin typeface="Cambria Math" panose="02040503050406030204" pitchFamily="18" charset="0"/>
-                              <a:ea typeface="Cambria Math" panose="02040503050406030204" pitchFamily="18" charset="0"/>
-                            </a:rPr>
                             <m:t>𝑦</m:t>
                           </m:r>
                         </m:e>
@@ -10324,7 +10314,7 @@
                         <a:latin typeface="Cambria Math" panose="02040503050406030204" pitchFamily="18" charset="0"/>
                         <a:ea typeface="Cambria Math" panose="02040503050406030204" pitchFamily="18" charset="0"/>
                       </a:rPr>
-                      <m:t>28</m:t>
+                      <m:t>16</m:t>
                     </m:r>
                     <m:r>
                       <a:rPr lang="en-US" b="0" i="1" smtClean="0">
@@ -10426,63 +10416,8 @@
                         <a:latin typeface="Cambria Math" panose="02040503050406030204" pitchFamily="18" charset="0"/>
                         <a:ea typeface="Cambria Math" panose="02040503050406030204" pitchFamily="18" charset="0"/>
                       </a:rPr>
-                      <m:t>=</m:t>
+                      <m:t>=10</m:t>
                     </m:r>
-                    <m:box>
-                      <m:boxPr>
-                        <m:ctrlPr>
-                          <a:rPr lang="en-US" b="0" i="1" smtClean="0">
-                            <a:solidFill>
-                              <a:srgbClr val="FF0000"/>
-                            </a:solidFill>
-                            <a:latin typeface="Cambria Math" panose="02040503050406030204" pitchFamily="18" charset="0"/>
-                            <a:ea typeface="Cambria Math" panose="02040503050406030204" pitchFamily="18" charset="0"/>
-                          </a:rPr>
-                        </m:ctrlPr>
-                      </m:boxPr>
-                      <m:e>
-                        <m:argPr>
-                          <m:argSz m:val="-1"/>
-                        </m:argPr>
-                        <m:f>
-                          <m:fPr>
-                            <m:ctrlPr>
-                              <a:rPr lang="en-US" b="0" i="1" smtClean="0">
-                                <a:solidFill>
-                                  <a:srgbClr val="FF0000"/>
-                                </a:solidFill>
-                                <a:latin typeface="Cambria Math" panose="02040503050406030204" pitchFamily="18" charset="0"/>
-                                <a:ea typeface="Cambria Math" panose="02040503050406030204" pitchFamily="18" charset="0"/>
-                              </a:rPr>
-                            </m:ctrlPr>
-                          </m:fPr>
-                          <m:num>
-                            <m:r>
-                              <a:rPr lang="en-US" b="0" i="1" smtClean="0">
-                                <a:solidFill>
-                                  <a:srgbClr val="FF0000"/>
-                                </a:solidFill>
-                                <a:latin typeface="Cambria Math" panose="02040503050406030204" pitchFamily="18" charset="0"/>
-                                <a:ea typeface="Cambria Math" panose="02040503050406030204" pitchFamily="18" charset="0"/>
-                              </a:rPr>
-                              <m:t>40</m:t>
-                            </m:r>
-                          </m:num>
-                          <m:den>
-                            <m:r>
-                              <a:rPr lang="en-US" b="0" i="1" smtClean="0">
-                                <a:solidFill>
-                                  <a:srgbClr val="FF0000"/>
-                                </a:solidFill>
-                                <a:latin typeface="Cambria Math" panose="02040503050406030204" pitchFamily="18" charset="0"/>
-                                <a:ea typeface="Cambria Math" panose="02040503050406030204" pitchFamily="18" charset="0"/>
-                              </a:rPr>
-                              <m:t>7</m:t>
-                            </m:r>
-                          </m:den>
-                        </m:f>
-                      </m:e>
-                    </m:box>
                   </m:oMath>
                 </a14:m>
                 <a:endParaRPr lang="en-US" dirty="0">
@@ -10750,69 +10685,8 @@
                           </a:solidFill>
                           <a:latin typeface="Cambria Math" panose="02040503050406030204" pitchFamily="18" charset="0"/>
                         </a:rPr>
-                        <m:t>=</m:t>
+                        <m:t>=10</m:t>
                       </m:r>
-                      <m:box>
-                        <m:boxPr>
-                          <m:ctrlPr>
-                            <a:rPr lang="en-US" b="0" i="1" smtClean="0">
-                              <a:solidFill>
-                                <a:srgbClr val="FF0000"/>
-                              </a:solidFill>
-                              <a:latin typeface="Cambria Math" panose="02040503050406030204" pitchFamily="18" charset="0"/>
-                            </a:rPr>
-                          </m:ctrlPr>
-                        </m:boxPr>
-                        <m:e>
-                          <m:argPr>
-                            <m:argSz m:val="-1"/>
-                          </m:argPr>
-                          <m:f>
-                            <m:fPr>
-                              <m:ctrlPr>
-                                <a:rPr lang="en-US" b="0" i="1" smtClean="0">
-                                  <a:solidFill>
-                                    <a:srgbClr val="FF0000"/>
-                                  </a:solidFill>
-                                  <a:latin typeface="Cambria Math" panose="02040503050406030204" pitchFamily="18" charset="0"/>
-                                </a:rPr>
-                              </m:ctrlPr>
-                            </m:fPr>
-                            <m:num>
-                              <m:r>
-                                <a:rPr lang="en-US" b="0" i="1" smtClean="0">
-                                  <a:solidFill>
-                                    <a:srgbClr val="FF0000"/>
-                                  </a:solidFill>
-                                  <a:latin typeface="Cambria Math" panose="02040503050406030204" pitchFamily="18" charset="0"/>
-                                </a:rPr>
-                                <m:t>80</m:t>
-                              </m:r>
-                            </m:num>
-                            <m:den>
-                              <m:r>
-                                <a:rPr lang="en-US" b="0" i="1" smtClean="0">
-                                  <a:solidFill>
-                                    <a:srgbClr val="FF0000"/>
-                                  </a:solidFill>
-                                  <a:latin typeface="Cambria Math" panose="02040503050406030204" pitchFamily="18" charset="0"/>
-                                </a:rPr>
-                                <m:t>7</m:t>
-                              </m:r>
-                            </m:den>
-                          </m:f>
-                          <m:r>
-                            <a:rPr lang="en-US" b="0" i="1" smtClean="0">
-                              <a:solidFill>
-                                <a:srgbClr val="FF0000"/>
-                              </a:solidFill>
-                              <a:latin typeface="Cambria Math" panose="02040503050406030204" pitchFamily="18" charset="0"/>
-                              <a:ea typeface="Cambria Math" panose="02040503050406030204" pitchFamily="18" charset="0"/>
-                            </a:rPr>
-                            <m:t>≈11.43</m:t>
-                          </m:r>
-                        </m:e>
-                      </m:box>
                     </m:oMath>
                   </m:oMathPara>
                 </a14:m>
@@ -11514,7 +11388,23 @@
           <a:p>
             <a:r>
               <a:rPr lang="en-US" dirty="0"/>
-              <a:t>Dates: To Be Announced in Class</a:t>
+              <a:t>Dates: Dec 11</a:t>
+            </a:r>
+            <a:r>
+              <a:rPr lang="en-US" baseline="30000" dirty="0"/>
+              <a:t>th</a:t>
+            </a:r>
+            <a:r>
+              <a:rPr lang="en-US" dirty="0"/>
+              <a:t> ~ Dec 13</a:t>
+            </a:r>
+            <a:r>
+              <a:rPr lang="en-US" baseline="30000" dirty="0"/>
+              <a:t>th</a:t>
+            </a:r>
+            <a:r>
+              <a:rPr lang="en-US" dirty="0"/>
+              <a:t> (Mon ~ Wed)</a:t>
             </a:r>
           </a:p>
           <a:p>
@@ -11544,7 +11434,7 @@
           <a:p>
             <a:r>
               <a:rPr lang="en-US" dirty="0"/>
-              <a:t>Recovery Rate: TBD</a:t>
+              <a:t>Recovery Rate: 25%</a:t>
             </a:r>
           </a:p>
         </p:txBody>
